--- a/Projects/miniproject_1/Mini-Project1.pptx
+++ b/Projects/miniproject_1/Mini-Project1.pptx
@@ -120,6 +120,11 @@
       </a:defRPr>
     </a:lvl9pPr>
   </p:defaultTextStyle>
+  <p:extLst>
+    <p:ext uri="{EFAFB233-063F-42B5-8137-9DF3F51BA10A}">
+      <p15:sldGuideLst xmlns:p15="http://schemas.microsoft.com/office/powerpoint/2012/main"/>
+    </p:ext>
+  </p:extLst>
 </p:presentation>
 </file>
 
@@ -622,7 +627,7 @@
           <a:p>
             <a:fld id="{8449BCE5-4DA7-468E-942B-41FFE8B88B8D}" type="datetimeFigureOut">
               <a:rPr lang="en-AU" smtClean="0"/>
-              <a:t>5/08/2020</a:t>
+              <a:t>7/08/2020</a:t>
             </a:fld>
             <a:endParaRPr lang="en-AU"/>
           </a:p>
@@ -822,7 +827,7 @@
           <a:p>
             <a:fld id="{8449BCE5-4DA7-468E-942B-41FFE8B88B8D}" type="datetimeFigureOut">
               <a:rPr lang="en-AU" smtClean="0"/>
-              <a:t>5/08/2020</a:t>
+              <a:t>7/08/2020</a:t>
             </a:fld>
             <a:endParaRPr lang="en-AU"/>
           </a:p>
@@ -1032,7 +1037,7 @@
           <a:p>
             <a:fld id="{8449BCE5-4DA7-468E-942B-41FFE8B88B8D}" type="datetimeFigureOut">
               <a:rPr lang="en-AU" smtClean="0"/>
-              <a:t>5/08/2020</a:t>
+              <a:t>7/08/2020</a:t>
             </a:fld>
             <a:endParaRPr lang="en-AU"/>
           </a:p>
@@ -2124,7 +2129,7 @@
           <a:p>
             <a:fld id="{8449BCE5-4DA7-468E-942B-41FFE8B88B8D}" type="datetimeFigureOut">
               <a:rPr lang="en-AU" smtClean="0"/>
-              <a:t>5/08/2020</a:t>
+              <a:t>7/08/2020</a:t>
             </a:fld>
             <a:endParaRPr lang="en-AU"/>
           </a:p>
@@ -2400,7 +2405,7 @@
           <a:p>
             <a:fld id="{8449BCE5-4DA7-468E-942B-41FFE8B88B8D}" type="datetimeFigureOut">
               <a:rPr lang="en-AU" smtClean="0"/>
-              <a:t>5/08/2020</a:t>
+              <a:t>7/08/2020</a:t>
             </a:fld>
             <a:endParaRPr lang="en-AU"/>
           </a:p>
@@ -2668,7 +2673,7 @@
           <a:p>
             <a:fld id="{8449BCE5-4DA7-468E-942B-41FFE8B88B8D}" type="datetimeFigureOut">
               <a:rPr lang="en-AU" smtClean="0"/>
-              <a:t>5/08/2020</a:t>
+              <a:t>7/08/2020</a:t>
             </a:fld>
             <a:endParaRPr lang="en-AU"/>
           </a:p>
@@ -3083,7 +3088,7 @@
           <a:p>
             <a:fld id="{8449BCE5-4DA7-468E-942B-41FFE8B88B8D}" type="datetimeFigureOut">
               <a:rPr lang="en-AU" smtClean="0"/>
-              <a:t>5/08/2020</a:t>
+              <a:t>7/08/2020</a:t>
             </a:fld>
             <a:endParaRPr lang="en-AU"/>
           </a:p>
@@ -3225,7 +3230,7 @@
           <a:p>
             <a:fld id="{8449BCE5-4DA7-468E-942B-41FFE8B88B8D}" type="datetimeFigureOut">
               <a:rPr lang="en-AU" smtClean="0"/>
-              <a:t>5/08/2020</a:t>
+              <a:t>7/08/2020</a:t>
             </a:fld>
             <a:endParaRPr lang="en-AU"/>
           </a:p>
@@ -3338,7 +3343,7 @@
           <a:p>
             <a:fld id="{8449BCE5-4DA7-468E-942B-41FFE8B88B8D}" type="datetimeFigureOut">
               <a:rPr lang="en-AU" smtClean="0"/>
-              <a:t>5/08/2020</a:t>
+              <a:t>7/08/2020</a:t>
             </a:fld>
             <a:endParaRPr lang="en-AU"/>
           </a:p>
@@ -3651,7 +3656,7 @@
           <a:p>
             <a:fld id="{8449BCE5-4DA7-468E-942B-41FFE8B88B8D}" type="datetimeFigureOut">
               <a:rPr lang="en-AU" smtClean="0"/>
-              <a:t>5/08/2020</a:t>
+              <a:t>7/08/2020</a:t>
             </a:fld>
             <a:endParaRPr lang="en-AU"/>
           </a:p>
@@ -3940,7 +3945,7 @@
           <a:p>
             <a:fld id="{8449BCE5-4DA7-468E-942B-41FFE8B88B8D}" type="datetimeFigureOut">
               <a:rPr lang="en-AU" smtClean="0"/>
-              <a:t>5/08/2020</a:t>
+              <a:t>7/08/2020</a:t>
             </a:fld>
             <a:endParaRPr lang="en-AU"/>
           </a:p>
@@ -4183,7 +4188,7 @@
           <a:p>
             <a:fld id="{8449BCE5-4DA7-468E-942B-41FFE8B88B8D}" type="datetimeFigureOut">
               <a:rPr lang="en-AU" smtClean="0"/>
-              <a:t>5/08/2020</a:t>
+              <a:t>7/08/2020</a:t>
             </a:fld>
             <a:endParaRPr lang="en-AU"/>
           </a:p>
@@ -4866,41 +4871,6 @@
           </a:p>
         </p:txBody>
       </p:sp>
-      <p:sp>
-        <p:nvSpPr>
-          <p:cNvPr id="8" name="TextBox 7">
-            <a:extLst>
-              <a:ext uri="{FF2B5EF4-FFF2-40B4-BE49-F238E27FC236}">
-                <a16:creationId xmlns:a16="http://schemas.microsoft.com/office/drawing/2014/main" id="{68CA6C8F-BA86-4C32-B648-D7DAFCCE796C}"/>
-              </a:ext>
-            </a:extLst>
-          </p:cNvPr>
-          <p:cNvSpPr txBox="1"/>
-          <p:nvPr/>
-        </p:nvSpPr>
-        <p:spPr>
-          <a:xfrm>
-            <a:off x="462116" y="373626"/>
-            <a:ext cx="5034116" cy="769441"/>
-          </a:xfrm>
-          <a:prstGeom prst="rect">
-            <a:avLst/>
-          </a:prstGeom>
-          <a:noFill/>
-        </p:spPr>
-        <p:txBody>
-          <a:bodyPr wrap="square" rtlCol="0">
-            <a:spAutoFit/>
-          </a:bodyPr>
-          <a:lstStyle/>
-          <a:p>
-            <a:r>
-              <a:rPr lang="en-AU" sz="4400" b="1" dirty="0"/>
-              <a:t>Lay out</a:t>
-            </a:r>
-          </a:p>
-        </p:txBody>
-      </p:sp>
       <p:cxnSp>
         <p:nvCxnSpPr>
           <p:cNvPr id="10" name="Straight Connector 9">
@@ -6719,41 +6689,6 @@
           </a:p>
         </p:txBody>
       </p:sp>
-      <p:sp>
-        <p:nvSpPr>
-          <p:cNvPr id="8" name="TextBox 7">
-            <a:extLst>
-              <a:ext uri="{FF2B5EF4-FFF2-40B4-BE49-F238E27FC236}">
-                <a16:creationId xmlns:a16="http://schemas.microsoft.com/office/drawing/2014/main" id="{68CA6C8F-BA86-4C32-B648-D7DAFCCE796C}"/>
-              </a:ext>
-            </a:extLst>
-          </p:cNvPr>
-          <p:cNvSpPr txBox="1"/>
-          <p:nvPr/>
-        </p:nvSpPr>
-        <p:spPr>
-          <a:xfrm>
-            <a:off x="462116" y="373626"/>
-            <a:ext cx="5034116" cy="769441"/>
-          </a:xfrm>
-          <a:prstGeom prst="rect">
-            <a:avLst/>
-          </a:prstGeom>
-          <a:noFill/>
-        </p:spPr>
-        <p:txBody>
-          <a:bodyPr wrap="square" rtlCol="0">
-            <a:spAutoFit/>
-          </a:bodyPr>
-          <a:lstStyle/>
-          <a:p>
-            <a:r>
-              <a:rPr lang="en-AU" sz="4400" b="1" dirty="0"/>
-              <a:t>Lay out</a:t>
-            </a:r>
-          </a:p>
-        </p:txBody>
-      </p:sp>
       <p:cxnSp>
         <p:nvCxnSpPr>
           <p:cNvPr id="10" name="Straight Connector 9">
@@ -8835,41 +8770,6 @@
           </a:p>
         </p:txBody>
       </p:sp>
-      <p:sp>
-        <p:nvSpPr>
-          <p:cNvPr id="8" name="TextBox 7">
-            <a:extLst>
-              <a:ext uri="{FF2B5EF4-FFF2-40B4-BE49-F238E27FC236}">
-                <a16:creationId xmlns:a16="http://schemas.microsoft.com/office/drawing/2014/main" id="{68CA6C8F-BA86-4C32-B648-D7DAFCCE796C}"/>
-              </a:ext>
-            </a:extLst>
-          </p:cNvPr>
-          <p:cNvSpPr txBox="1"/>
-          <p:nvPr/>
-        </p:nvSpPr>
-        <p:spPr>
-          <a:xfrm>
-            <a:off x="462116" y="373626"/>
-            <a:ext cx="5034116" cy="769441"/>
-          </a:xfrm>
-          <a:prstGeom prst="rect">
-            <a:avLst/>
-          </a:prstGeom>
-          <a:noFill/>
-        </p:spPr>
-        <p:txBody>
-          <a:bodyPr wrap="square" rtlCol="0">
-            <a:spAutoFit/>
-          </a:bodyPr>
-          <a:lstStyle/>
-          <a:p>
-            <a:r>
-              <a:rPr lang="en-AU" sz="4400" b="1" dirty="0"/>
-              <a:t>Lay out</a:t>
-            </a:r>
-          </a:p>
-        </p:txBody>
-      </p:sp>
       <p:cxnSp>
         <p:nvCxnSpPr>
           <p:cNvPr id="10" name="Straight Connector 9">
@@ -10222,41 +10122,6 @@
           </a:p>
         </p:txBody>
       </p:sp>
-      <p:sp>
-        <p:nvSpPr>
-          <p:cNvPr id="8" name="TextBox 7">
-            <a:extLst>
-              <a:ext uri="{FF2B5EF4-FFF2-40B4-BE49-F238E27FC236}">
-                <a16:creationId xmlns:a16="http://schemas.microsoft.com/office/drawing/2014/main" id="{68CA6C8F-BA86-4C32-B648-D7DAFCCE796C}"/>
-              </a:ext>
-            </a:extLst>
-          </p:cNvPr>
-          <p:cNvSpPr txBox="1"/>
-          <p:nvPr/>
-        </p:nvSpPr>
-        <p:spPr>
-          <a:xfrm>
-            <a:off x="462116" y="373626"/>
-            <a:ext cx="5034116" cy="769441"/>
-          </a:xfrm>
-          <a:prstGeom prst="rect">
-            <a:avLst/>
-          </a:prstGeom>
-          <a:noFill/>
-        </p:spPr>
-        <p:txBody>
-          <a:bodyPr wrap="square" rtlCol="0">
-            <a:spAutoFit/>
-          </a:bodyPr>
-          <a:lstStyle/>
-          <a:p>
-            <a:r>
-              <a:rPr lang="en-AU" sz="4400" b="1" dirty="0"/>
-              <a:t>Lay out</a:t>
-            </a:r>
-          </a:p>
-        </p:txBody>
-      </p:sp>
       <p:cxnSp>
         <p:nvCxnSpPr>
           <p:cNvPr id="10" name="Straight Connector 9">
@@ -11315,41 +11180,6 @@
               <a:t>7</a:t>
             </a:fld>
             <a:endParaRPr lang="en"/>
-          </a:p>
-        </p:txBody>
-      </p:sp>
-      <p:sp>
-        <p:nvSpPr>
-          <p:cNvPr id="8" name="TextBox 7">
-            <a:extLst>
-              <a:ext uri="{FF2B5EF4-FFF2-40B4-BE49-F238E27FC236}">
-                <a16:creationId xmlns:a16="http://schemas.microsoft.com/office/drawing/2014/main" id="{68CA6C8F-BA86-4C32-B648-D7DAFCCE796C}"/>
-              </a:ext>
-            </a:extLst>
-          </p:cNvPr>
-          <p:cNvSpPr txBox="1"/>
-          <p:nvPr/>
-        </p:nvSpPr>
-        <p:spPr>
-          <a:xfrm>
-            <a:off x="481780" y="393291"/>
-            <a:ext cx="5034116" cy="769441"/>
-          </a:xfrm>
-          <a:prstGeom prst="rect">
-            <a:avLst/>
-          </a:prstGeom>
-          <a:noFill/>
-        </p:spPr>
-        <p:txBody>
-          <a:bodyPr wrap="square" rtlCol="0">
-            <a:spAutoFit/>
-          </a:bodyPr>
-          <a:lstStyle/>
-          <a:p>
-            <a:r>
-              <a:rPr lang="en-AU" sz="4400" b="1" dirty="0"/>
-              <a:t>Lay out</a:t>
-            </a:r>
           </a:p>
         </p:txBody>
       </p:sp>
